--- a/Rendu/Présenation.pptx
+++ b/Rendu/Présenation.pptx
@@ -398,7 +398,7 @@
             <a:fld id="{AA309A6D-C09C-4548-B29A-6CF363A7E532}" type="datetimeFigureOut">
               <a:rPr lang="fr-FR" smtClean="0"/>
               <a:pPr/>
-              <a:t>09/07/2014</a:t>
+              <a:t>10/07/2014</a:t>
             </a:fld>
             <a:endParaRPr lang="fr-BE"/>
           </a:p>
@@ -793,7 +793,7 @@
             <a:fld id="{AA309A6D-C09C-4548-B29A-6CF363A7E532}" type="datetimeFigureOut">
               <a:rPr lang="fr-FR" smtClean="0"/>
               <a:pPr/>
-              <a:t>09/07/2014</a:t>
+              <a:t>10/07/2014</a:t>
             </a:fld>
             <a:endParaRPr lang="fr-BE"/>
           </a:p>
@@ -1328,7 +1328,7 @@
             <a:fld id="{AA309A6D-C09C-4548-B29A-6CF363A7E532}" type="datetimeFigureOut">
               <a:rPr lang="fr-FR" smtClean="0"/>
               <a:pPr/>
-              <a:t>09/07/2014</a:t>
+              <a:t>10/07/2014</a:t>
             </a:fld>
             <a:endParaRPr lang="fr-BE"/>
           </a:p>
@@ -1462,7 +1462,7 @@
             <a:fld id="{AA309A6D-C09C-4548-B29A-6CF363A7E532}" type="datetimeFigureOut">
               <a:rPr lang="fr-FR" smtClean="0"/>
               <a:pPr/>
-              <a:t>09/07/2014</a:t>
+              <a:t>10/07/2014</a:t>
             </a:fld>
             <a:endParaRPr lang="fr-BE"/>
           </a:p>
@@ -2007,7 +2007,7 @@
             <a:fld id="{AA309A6D-C09C-4548-B29A-6CF363A7E532}" type="datetimeFigureOut">
               <a:rPr lang="fr-FR" smtClean="0"/>
               <a:pPr/>
-              <a:t>09/07/2014</a:t>
+              <a:t>10/07/2014</a:t>
             </a:fld>
             <a:endParaRPr lang="fr-BE"/>
           </a:p>
@@ -2304,7 +2304,7 @@
             <a:fld id="{AA309A6D-C09C-4548-B29A-6CF363A7E532}" type="datetimeFigureOut">
               <a:rPr lang="fr-FR" smtClean="0"/>
               <a:pPr/>
-              <a:t>09/07/2014</a:t>
+              <a:t>10/07/2014</a:t>
             </a:fld>
             <a:endParaRPr lang="fr-BE"/>
           </a:p>
@@ -2965,7 +2965,7 @@
             <a:fld id="{AA309A6D-C09C-4548-B29A-6CF363A7E532}" type="datetimeFigureOut">
               <a:rPr lang="fr-FR" smtClean="0"/>
               <a:pPr/>
-              <a:t>09/07/2014</a:t>
+              <a:t>10/07/2014</a:t>
             </a:fld>
             <a:endParaRPr lang="fr-BE"/>
           </a:p>
@@ -3403,7 +3403,7 @@
             <a:fld id="{AA309A6D-C09C-4548-B29A-6CF363A7E532}" type="datetimeFigureOut">
               <a:rPr lang="fr-FR" smtClean="0"/>
               <a:pPr/>
-              <a:t>09/07/2014</a:t>
+              <a:t>10/07/2014</a:t>
             </a:fld>
             <a:endParaRPr lang="fr-BE"/>
           </a:p>
@@ -3718,7 +3718,7 @@
             <a:fld id="{AA309A6D-C09C-4548-B29A-6CF363A7E532}" type="datetimeFigureOut">
               <a:rPr lang="fr-FR" smtClean="0"/>
               <a:pPr/>
-              <a:t>09/07/2014</a:t>
+              <a:t>10/07/2014</a:t>
             </a:fld>
             <a:endParaRPr lang="fr-BE"/>
           </a:p>
@@ -4453,7 +4453,7 @@
             <a:fld id="{AA309A6D-C09C-4548-B29A-6CF363A7E532}" type="datetimeFigureOut">
               <a:rPr lang="fr-FR" smtClean="0"/>
               <a:pPr/>
-              <a:t>09/07/2014</a:t>
+              <a:t>10/07/2014</a:t>
             </a:fld>
             <a:endParaRPr lang="fr-BE"/>
           </a:p>
@@ -5119,7 +5119,7 @@
             <a:fld id="{AA309A6D-C09C-4548-B29A-6CF363A7E532}" type="datetimeFigureOut">
               <a:rPr lang="fr-FR" smtClean="0"/>
               <a:pPr/>
-              <a:t>09/07/2014</a:t>
+              <a:t>10/07/2014</a:t>
             </a:fld>
             <a:endParaRPr lang="fr-BE"/>
           </a:p>
@@ -5393,7 +5393,7 @@
             <a:fld id="{AA309A6D-C09C-4548-B29A-6CF363A7E532}" type="datetimeFigureOut">
               <a:rPr lang="fr-FR" smtClean="0"/>
               <a:pPr/>
-              <a:t>09/07/2014</a:t>
+              <a:t>10/07/2014</a:t>
             </a:fld>
             <a:endParaRPr lang="fr-BE"/>
           </a:p>
@@ -6232,10 +6232,6 @@
               <a:rPr lang="fr-FR" dirty="0" smtClean="0"/>
               <a:t>Arène 2</a:t>
             </a:r>
-            <a:r>
-              <a:rPr lang="fr-FR" dirty="0" smtClean="0"/>
-              <a:t/>
-            </a:r>
             <a:br>
               <a:rPr lang="fr-FR" dirty="0" smtClean="0"/>
             </a:br>
@@ -6315,7 +6311,15 @@
           <a:p>
             <a:r>
               <a:rPr lang="fr-FR" dirty="0" smtClean="0"/>
-              <a:t>Menu de connexion et choix niveau</a:t>
+              <a:t>Menu </a:t>
+            </a:r>
+            <a:r>
+              <a:rPr lang="fr-FR" dirty="0" smtClean="0"/>
+              <a:t>de </a:t>
+            </a:r>
+            <a:r>
+              <a:rPr lang="fr-FR" dirty="0" smtClean="0"/>
+              <a:t>connexion et choix niveau</a:t>
             </a:r>
           </a:p>
           <a:p>
@@ -6323,11 +6327,16 @@
               <a:rPr lang="fr-FR" dirty="0" smtClean="0"/>
               <a:t>Lobby d’attente</a:t>
             </a:r>
+            <a:endParaRPr lang="fr-FR" dirty="0" smtClean="0"/>
           </a:p>
           <a:p>
             <a:r>
               <a:rPr lang="fr-FR" dirty="0" smtClean="0"/>
-              <a:t>Présence d’entités non joueur (Zombie)</a:t>
+              <a:t>Présence </a:t>
+            </a:r>
+            <a:r>
+              <a:rPr lang="fr-FR" dirty="0" smtClean="0"/>
+              <a:t>d’entités non joueur (Zombie)</a:t>
             </a:r>
           </a:p>
           <a:p>
@@ -6339,15 +6348,7 @@
           <a:p>
             <a:r>
               <a:rPr lang="fr-FR" dirty="0" smtClean="0"/>
-              <a:t>Robustesse format/résolution </a:t>
-            </a:r>
-            <a:r>
-              <a:rPr lang="fr-FR" dirty="0" smtClean="0"/>
-              <a:t>é</a:t>
-            </a:r>
-            <a:r>
-              <a:rPr lang="fr-FR" dirty="0" smtClean="0"/>
-              <a:t>cran</a:t>
+              <a:t>Robustesse format/résolution écran</a:t>
             </a:r>
           </a:p>
           <a:p>
@@ -6701,17 +6702,8 @@
           <a:p>
             <a:r>
               <a:rPr lang="fr-FR" dirty="0" smtClean="0"/>
-              <a:t>T</a:t>
-            </a:r>
-            <a:r>
-              <a:rPr lang="fr-FR" dirty="0" smtClean="0"/>
-              <a:t>uer les autres survivants </a:t>
-            </a:r>
-            <a:r>
-              <a:rPr lang="fr-FR" dirty="0" smtClean="0"/>
-              <a:t>indirectement </a:t>
-            </a:r>
-            <a:endParaRPr lang="fr-FR" dirty="0" smtClean="0"/>
+              <a:t>Tuer les autres survivants indirectement </a:t>
+            </a:r>
           </a:p>
           <a:p>
             <a:pPr>
@@ -6725,15 +6717,7 @@
           <a:p>
             <a:r>
               <a:rPr lang="fr-FR" dirty="0" smtClean="0"/>
-              <a:t>E</a:t>
-            </a:r>
-            <a:r>
-              <a:rPr lang="fr-FR" dirty="0" smtClean="0"/>
-              <a:t>tre le </a:t>
-            </a:r>
-            <a:r>
-              <a:rPr lang="fr-FR" dirty="0" smtClean="0"/>
-              <a:t>dernier à survivre</a:t>
+              <a:t>Etre le dernier à survivre</a:t>
             </a:r>
           </a:p>
           <a:p>
@@ -6830,7 +6814,19 @@
               <a:rPr lang="fr-FR" dirty="0" smtClean="0">
                 <a:sym typeface="Wingdings" pitchFamily="2" charset="2"/>
               </a:rPr>
-              <a:t> partie courte (6 min environ)</a:t>
+              <a:t> partie courte </a:t>
+            </a:r>
+            <a:r>
+              <a:rPr lang="fr-FR" dirty="0" smtClean="0">
+                <a:sym typeface="Wingdings" pitchFamily="2" charset="2"/>
+              </a:rPr>
+              <a:t>(6 </a:t>
+            </a:r>
+            <a:r>
+              <a:rPr lang="fr-FR" dirty="0" smtClean="0">
+                <a:sym typeface="Wingdings" pitchFamily="2" charset="2"/>
+              </a:rPr>
+              <a:t>min environ)</a:t>
             </a:r>
             <a:endParaRPr lang="fr-FR" dirty="0"/>
           </a:p>
@@ -7037,7 +7033,6 @@
               <a:rPr lang="fr-FR" dirty="0" smtClean="0"/>
               <a:t>Zombie : dégât + malus</a:t>
             </a:r>
-            <a:endParaRPr lang="fr-FR" dirty="0" smtClean="0"/>
           </a:p>
         </p:txBody>
       </p:sp>
@@ -7210,13 +7205,8 @@
           <a:p>
             <a:r>
               <a:rPr lang="fr-FR" dirty="0" smtClean="0"/>
-              <a:t>Déplacement d’étage en étage par </a:t>
-            </a:r>
-            <a:r>
-              <a:rPr lang="fr-FR" dirty="0" smtClean="0"/>
-              <a:t>escaliers</a:t>
-            </a:r>
-            <a:endParaRPr lang="fr-FR" dirty="0" smtClean="0"/>
+              <a:t>Déplacement d’étage en étage par escaliers</a:t>
+            </a:r>
           </a:p>
           <a:p>
             <a:pPr>
